--- a/students/K3242/Tretiakova Ekaterina/LR_1/Лабораторная работа № 1.pptx
+++ b/students/K3242/Tretiakova Ekaterina/LR_1/Лабораторная работа № 1.pptx
@@ -19,7 +19,6 @@
     <p:sldId id="267" r:id="rId13"/>
     <p:sldId id="268" r:id="rId14"/>
     <p:sldId id="269" r:id="rId15"/>
-    <p:sldId id="270" r:id="rId16"/>
   </p:sldIdLst>
   <p:sldSz cx="18288000" cy="10287000"/>
   <p:notesSz cx="18288000" cy="10287000"/>
@@ -1395,7 +1394,7 @@
         <p:spPr>
           <a:xfrm>
             <a:off x="6774065" y="970313"/>
-            <a:ext cx="10498455" cy="2629535"/>
+            <a:ext cx="10498455" cy="2653932"/>
           </a:xfrm>
           <a:prstGeom prst="rect">
             <a:avLst/>
@@ -1416,74 +1415,14 @@
               </a:spcBef>
             </a:pPr>
             <a:r>
-              <a:rPr sz="4900" b="1" dirty="0">
+              <a:rPr sz="4900" b="1" spc="40" dirty="0">
                 <a:solidFill>
                   <a:srgbClr val="1736B1"/>
                 </a:solidFill>
                 <a:latin typeface="Trebuchet MS"/>
                 <a:cs typeface="Trebuchet MS"/>
               </a:rPr>
-              <a:t>ЛАБОРАТОРНАЯ</a:t>
-            </a:r>
-            <a:r>
-              <a:rPr sz="4900" b="1" spc="-85" dirty="0">
-                <a:solidFill>
-                  <a:srgbClr val="1736B1"/>
-                </a:solidFill>
-                <a:latin typeface="Trebuchet MS"/>
-                <a:cs typeface="Trebuchet MS"/>
-              </a:rPr>
-              <a:t> </a:t>
-            </a:r>
-            <a:r>
-              <a:rPr sz="4900" b="1" spc="-30" dirty="0">
-                <a:solidFill>
-                  <a:srgbClr val="1736B1"/>
-                </a:solidFill>
-                <a:latin typeface="Trebuchet MS"/>
-                <a:cs typeface="Trebuchet MS"/>
-              </a:rPr>
-              <a:t>РАБОТА</a:t>
-            </a:r>
-            <a:r>
-              <a:rPr sz="4900" b="1" spc="-85" dirty="0">
-                <a:solidFill>
-                  <a:srgbClr val="1736B1"/>
-                </a:solidFill>
-                <a:latin typeface="Trebuchet MS"/>
-                <a:cs typeface="Trebuchet MS"/>
-              </a:rPr>
-              <a:t> </a:t>
-            </a:r>
-            <a:r>
-              <a:rPr sz="4900" b="1" spc="210" dirty="0">
-                <a:solidFill>
-                  <a:srgbClr val="1736B1"/>
-                </a:solidFill>
-                <a:latin typeface="Trebuchet MS"/>
-                <a:cs typeface="Trebuchet MS"/>
-              </a:rPr>
-              <a:t>№1 </a:t>
-            </a:r>
-            <a:r>
-              <a:rPr sz="4900" b="1" spc="-1460" dirty="0">
-                <a:solidFill>
-                  <a:srgbClr val="1736B1"/>
-                </a:solidFill>
-                <a:latin typeface="Trebuchet MS"/>
-                <a:cs typeface="Trebuchet MS"/>
-              </a:rPr>
-              <a:t> </a:t>
-            </a:r>
-            <a:r>
-              <a:rPr sz="4900" b="1" spc="40" dirty="0">
-                <a:solidFill>
-                  <a:srgbClr val="1736B1"/>
-                </a:solidFill>
-                <a:latin typeface="Trebuchet MS"/>
-                <a:cs typeface="Trebuchet MS"/>
-              </a:rPr>
-              <a:t>"АНАЛИЗ </a:t>
+              <a:t>АНАЛИЗ </a:t>
             </a:r>
             <a:r>
               <a:rPr sz="4900" b="1" spc="-35" dirty="0">
@@ -1594,7 +1533,7 @@
                 <a:latin typeface="Trebuchet MS"/>
                 <a:cs typeface="Trebuchet MS"/>
               </a:rPr>
-              <a:t>(DFD)"</a:t>
+              <a:t>(DFD)</a:t>
             </a:r>
             <a:endParaRPr sz="4900" dirty="0">
               <a:latin typeface="Trebuchet MS"/>
@@ -4566,283 +4505,6 @@
         </p:txBody>
       </p:sp>
     </p:spTree>
-  </p:cSld>
-  <p:clrMapOvr>
-    <a:masterClrMapping/>
-  </p:clrMapOvr>
-</p:sld>
-</file>
-
-<file path=ppt/slides/slide15.xml><?xml version="1.0" encoding="utf-8"?>
-<p:sld xmlns:a="http://schemas.openxmlformats.org/drawingml/2006/main" xmlns:r="http://schemas.openxmlformats.org/officeDocument/2006/relationships" xmlns:p="http://schemas.openxmlformats.org/presentationml/2006/main" showMasterSp="0">
-  <p:cSld>
-    <p:spTree>
-      <p:nvGrpSpPr>
-        <p:cNvPr id="1" name=""/>
-        <p:cNvGrpSpPr/>
-        <p:nvPr/>
-      </p:nvGrpSpPr>
-      <p:grpSpPr>
-        <a:xfrm>
-          <a:off x="0" y="0"/>
-          <a:ext cx="0" cy="0"/>
-          <a:chOff x="0" y="0"/>
-          <a:chExt cx="0" cy="0"/>
-        </a:xfrm>
-      </p:grpSpPr>
-      <p:sp>
-        <p:nvSpPr>
-          <p:cNvPr id="2" name="object 2"/>
-          <p:cNvSpPr txBox="1"/>
-          <p:nvPr/>
-        </p:nvSpPr>
-        <p:spPr>
-          <a:xfrm>
-            <a:off x="-228600" y="4296217"/>
-            <a:ext cx="13258799" cy="847283"/>
-          </a:xfrm>
-          <a:prstGeom prst="rect">
-            <a:avLst/>
-          </a:prstGeom>
-        </p:spPr>
-        <p:txBody>
-          <a:bodyPr vert="horz" wrap="square" lIns="0" tIns="139065" rIns="0" bIns="0" rtlCol="0">
-            <a:spAutoFit/>
-          </a:bodyPr>
-          <a:lstStyle/>
-          <a:p>
-            <a:pPr marL="12700" marR="5080" indent="1898014" algn="r">
-              <a:lnSpc>
-                <a:spcPts val="4880"/>
-              </a:lnSpc>
-              <a:spcBef>
-                <a:spcPts val="1095"/>
-              </a:spcBef>
-            </a:pPr>
-            <a:r>
-              <a:rPr lang="ru-RU" sz="8000" b="1" dirty="0">
-                <a:solidFill>
-                  <a:srgbClr val="7030A0"/>
-                </a:solidFill>
-                <a:latin typeface="Trebuchet MS"/>
-                <a:cs typeface="Trebuchet MS"/>
-              </a:rPr>
-              <a:t>Спасибо</a:t>
-            </a:r>
-            <a:r>
-              <a:rPr lang="ru-RU" sz="8000" b="1" dirty="0">
-                <a:solidFill>
-                  <a:srgbClr val="1736B1"/>
-                </a:solidFill>
-                <a:latin typeface="Trebuchet MS"/>
-                <a:cs typeface="Trebuchet MS"/>
-              </a:rPr>
-              <a:t> </a:t>
-            </a:r>
-            <a:r>
-              <a:rPr lang="ru-RU" sz="8000" b="1" dirty="0">
-                <a:solidFill>
-                  <a:srgbClr val="7030A0"/>
-                </a:solidFill>
-                <a:latin typeface="Trebuchet MS"/>
-                <a:cs typeface="Trebuchet MS"/>
-              </a:rPr>
-              <a:t>за</a:t>
-            </a:r>
-            <a:r>
-              <a:rPr lang="ru-RU" sz="8000" b="1" dirty="0">
-                <a:solidFill>
-                  <a:srgbClr val="1736B1"/>
-                </a:solidFill>
-                <a:latin typeface="Trebuchet MS"/>
-                <a:cs typeface="Trebuchet MS"/>
-              </a:rPr>
-              <a:t> </a:t>
-            </a:r>
-            <a:r>
-              <a:rPr lang="ru-RU" sz="8000" b="1" dirty="0">
-                <a:solidFill>
-                  <a:srgbClr val="7030A0"/>
-                </a:solidFill>
-                <a:latin typeface="Trebuchet MS"/>
-                <a:cs typeface="Trebuchet MS"/>
-              </a:rPr>
-              <a:t>внимание!</a:t>
-            </a:r>
-            <a:endParaRPr sz="8000" dirty="0">
-              <a:solidFill>
-                <a:srgbClr val="7030A0"/>
-              </a:solidFill>
-              <a:latin typeface="Trebuchet MS"/>
-              <a:cs typeface="Trebuchet MS"/>
-            </a:endParaRPr>
-          </a:p>
-        </p:txBody>
-      </p:sp>
-      <p:grpSp>
-        <p:nvGrpSpPr>
-          <p:cNvPr id="3" name="object 3"/>
-          <p:cNvGrpSpPr/>
-          <p:nvPr/>
-        </p:nvGrpSpPr>
-        <p:grpSpPr>
-          <a:xfrm>
-            <a:off x="8632663" y="4091959"/>
-            <a:ext cx="9655810" cy="6195060"/>
-            <a:chOff x="8632663" y="4091959"/>
-            <a:chExt cx="9655810" cy="6195060"/>
-          </a:xfrm>
-        </p:grpSpPr>
-        <p:sp>
-          <p:nvSpPr>
-            <p:cNvPr id="4" name="object 4"/>
-            <p:cNvSpPr/>
-            <p:nvPr/>
-          </p:nvSpPr>
-          <p:spPr>
-            <a:xfrm>
-              <a:off x="8632663" y="7536186"/>
-              <a:ext cx="7153909" cy="2750820"/>
-            </a:xfrm>
-            <a:custGeom>
-              <a:avLst/>
-              <a:gdLst/>
-              <a:ahLst/>
-              <a:cxnLst/>
-              <a:rect l="l" t="t" r="r" b="b"/>
-              <a:pathLst>
-                <a:path w="7153909" h="2750820">
-                  <a:moveTo>
-                    <a:pt x="7153624" y="2750813"/>
-                  </a:moveTo>
-                  <a:lnTo>
-                    <a:pt x="0" y="2750813"/>
-                  </a:lnTo>
-                  <a:lnTo>
-                    <a:pt x="1588470" y="0"/>
-                  </a:lnTo>
-                  <a:lnTo>
-                    <a:pt x="5565154" y="0"/>
-                  </a:lnTo>
-                  <a:lnTo>
-                    <a:pt x="7153624" y="2750813"/>
-                  </a:lnTo>
-                  <a:close/>
-                </a:path>
-              </a:pathLst>
-            </a:custGeom>
-            <a:solidFill>
-              <a:srgbClr val="A066CB"/>
-            </a:solidFill>
-          </p:spPr>
-          <p:txBody>
-            <a:bodyPr wrap="square" lIns="0" tIns="0" rIns="0" bIns="0" rtlCol="0"/>
-            <a:lstStyle/>
-            <a:p>
-              <a:endParaRPr/>
-            </a:p>
-          </p:txBody>
-        </p:sp>
-        <p:sp>
-          <p:nvSpPr>
-            <p:cNvPr id="5" name="object 5"/>
-            <p:cNvSpPr/>
-            <p:nvPr/>
-          </p:nvSpPr>
-          <p:spPr>
-            <a:xfrm>
-              <a:off x="14153593" y="4091959"/>
-              <a:ext cx="4134485" cy="6195060"/>
-            </a:xfrm>
-            <a:custGeom>
-              <a:avLst/>
-              <a:gdLst/>
-              <a:ahLst/>
-              <a:cxnLst/>
-              <a:rect l="l" t="t" r="r" b="b"/>
-              <a:pathLst>
-                <a:path w="4134484" h="6195059">
-                  <a:moveTo>
-                    <a:pt x="4134405" y="6195039"/>
-                  </a:moveTo>
-                  <a:lnTo>
-                    <a:pt x="1589012" y="6195039"/>
-                  </a:lnTo>
-                  <a:lnTo>
-                    <a:pt x="0" y="3443287"/>
-                  </a:lnTo>
-                  <a:lnTo>
-                    <a:pt x="1988342" y="0"/>
-                  </a:lnTo>
-                  <a:lnTo>
-                    <a:pt x="4134405" y="0"/>
-                  </a:lnTo>
-                  <a:lnTo>
-                    <a:pt x="4134405" y="6195039"/>
-                  </a:lnTo>
-                  <a:close/>
-                </a:path>
-              </a:pathLst>
-            </a:custGeom>
-            <a:solidFill>
-              <a:srgbClr val="1736B1"/>
-            </a:solidFill>
-          </p:spPr>
-          <p:txBody>
-            <a:bodyPr wrap="square" lIns="0" tIns="0" rIns="0" bIns="0" rtlCol="0"/>
-            <a:lstStyle/>
-            <a:p>
-              <a:endParaRPr/>
-            </a:p>
-          </p:txBody>
-        </p:sp>
-      </p:grpSp>
-      <p:sp>
-        <p:nvSpPr>
-          <p:cNvPr id="7" name="object 7"/>
-          <p:cNvSpPr txBox="1">
-            <a:spLocks noGrp="1"/>
-          </p:cNvSpPr>
-          <p:nvPr>
-            <p:ph type="title"/>
-          </p:nvPr>
-        </p:nvSpPr>
-        <p:spPr>
-          <a:xfrm>
-            <a:off x="-12700" y="0"/>
-            <a:ext cx="6788784" cy="486543"/>
-          </a:xfrm>
-          <a:prstGeom prst="rect">
-            <a:avLst/>
-          </a:prstGeom>
-        </p:spPr>
-        <p:txBody>
-          <a:bodyPr vert="horz" wrap="square" lIns="0" tIns="12700" rIns="0" bIns="0" rtlCol="0">
-            <a:spAutoFit/>
-          </a:bodyPr>
-          <a:lstStyle/>
-          <a:p>
-            <a:pPr marL="12700" marR="5080">
-              <a:lnSpc>
-                <a:spcPct val="116399"/>
-              </a:lnSpc>
-              <a:spcBef>
-                <a:spcPts val="100"/>
-              </a:spcBef>
-            </a:pPr>
-            <a:endParaRPr sz="2900" dirty="0">
-              <a:latin typeface="Trebuchet MS"/>
-              <a:cs typeface="Trebuchet MS"/>
-            </a:endParaRPr>
-          </a:p>
-        </p:txBody>
-      </p:sp>
-    </p:spTree>
-    <p:extLst>
-      <p:ext uri="{BB962C8B-B14F-4D97-AF65-F5344CB8AC3E}">
-        <p14:creationId xmlns:p14="http://schemas.microsoft.com/office/powerpoint/2010/main" val="141055770"/>
-      </p:ext>
-    </p:extLst>
   </p:cSld>
   <p:clrMapOvr>
     <a:masterClrMapping/>
